--- a/TestFiles/Presentation.pptx
+++ b/TestFiles/Presentation.pptx
@@ -856,7 +856,7 @@
 </file>
 
 <file path=ppt/diagrams/data1.xml><?xml version="1.0" encoding="utf-8"?>
-<dgm:dataModel xmlns:dgm="http://schemas.openxmlformats.org/drawingml/2006/diagram" xmlns:a="http://schemas.openxmlformats.org/drawingml/2006/main">
+<dgm:dataModel xmlns:dsp="http://schemas.microsoft.com/office/drawing/2008/diagram" xmlns:dgm="http://schemas.openxmlformats.org/drawingml/2006/diagram" xmlns:a="http://schemas.openxmlformats.org/drawingml/2006/main">
   <dgm:ptLst>
     <dgm:pt modelId="{97A08982-DB91-46A6-90D8-7CBB2DFA85DF}" type="doc">
       <dgm:prSet loTypeId="urn:microsoft.com/office/officeart/2005/8/layout/default" loCatId="list" qsTypeId="urn:microsoft.com/office/officeart/2005/8/quickstyle/simple1" qsCatId="simple" csTypeId="urn:microsoft.com/office/officeart/2005/8/colors/accent1_2" csCatId="accent1" phldr="1"/>
@@ -1550,7 +1550,7 @@
 </file>
 
 <file path=ppt/diagrams/layout1.xml><?xml version="1.0" encoding="utf-8"?>
-<dgm:layoutDef xmlns:dgm="http://schemas.openxmlformats.org/drawingml/2006/diagram" xmlns:a="http://schemas.openxmlformats.org/drawingml/2006/main" uniqueId="urn:microsoft.com/office/officeart/2005/8/layout/default">
+<dgm:layoutDef xmlns:r="http://schemas.openxmlformats.org/officeDocument/2006/relationships" xmlns:dgm="http://schemas.openxmlformats.org/drawingml/2006/diagram" xmlns:a="http://schemas.openxmlformats.org/drawingml/2006/main" uniqueId="urn:microsoft.com/office/officeart/2005/8/layout/default">
   <dgm:title val=""/>
   <dgm:desc val=""/>
   <dgm:catLst>
@@ -2731,7 +2731,7 @@
 </file>
 
 <file path=ppt/slideLayouts/slideLayout1.xml><?xml version="1.0" encoding="utf-8"?>
-<p:sldLayout xmlns:a="http://schemas.openxmlformats.org/drawingml/2006/main" xmlns:r="http://schemas.openxmlformats.org/officeDocument/2006/relationships" xmlns:p="http://schemas.openxmlformats.org/presentationml/2006/main" showMasterSp="0" type="title" preserve="1">
+<p:sldLayout xmlns:a14="http://schemas.microsoft.com/office/drawing/2010/main" xmlns:a="http://schemas.openxmlformats.org/drawingml/2006/main" xmlns:r="http://schemas.openxmlformats.org/officeDocument/2006/relationships" xmlns:p="http://schemas.openxmlformats.org/presentationml/2006/main" showMasterSp="0" type="title" preserve="1">
   <p:cSld name="Title Slide">
     <p:spTree>
       <p:nvGrpSpPr>
@@ -7603,7 +7603,7 @@
 </file>
 
 <file path=ppt/slideMasters/slideMaster1.xml><?xml version="1.0" encoding="utf-8"?>
-<p:sldMaster xmlns:a="http://schemas.openxmlformats.org/drawingml/2006/main" xmlns:r="http://schemas.openxmlformats.org/officeDocument/2006/relationships" xmlns:p="http://schemas.openxmlformats.org/presentationml/2006/main">
+<p:sldMaster xmlns:a14="http://schemas.microsoft.com/office/drawing/2010/main" xmlns:a="http://schemas.openxmlformats.org/drawingml/2006/main" xmlns:r="http://schemas.openxmlformats.org/officeDocument/2006/relationships" xmlns:p="http://schemas.openxmlformats.org/presentationml/2006/main">
   <p:cSld>
     <p:bg>
       <p:bgRef idx="1003">
@@ -8416,7 +8416,7 @@
 </file>
 
 <file path=ppt/slides/slide1.xml><?xml version="1.0" encoding="utf-8"?>
-<p:sld xmlns:a="http://schemas.openxmlformats.org/drawingml/2006/main" xmlns:r="http://schemas.openxmlformats.org/officeDocument/2006/relationships" xmlns:p="http://schemas.openxmlformats.org/presentationml/2006/main">
+<p:sld xmlns:p14="http://schemas.microsoft.com/office/powerpoint/2010/main" xmlns:a="http://schemas.openxmlformats.org/drawingml/2006/main" xmlns:r="http://schemas.openxmlformats.org/officeDocument/2006/relationships" xmlns:p="http://schemas.openxmlformats.org/presentationml/2006/main">
   <p:cSld>
     <p:spTree>
       <p:nvGrpSpPr>
@@ -8499,7 +8499,7 @@
 </file>
 
 <file path=ppt/slides/slide2.xml><?xml version="1.0" encoding="utf-8"?>
-<p:sld xmlns:a="http://schemas.openxmlformats.org/drawingml/2006/main" xmlns:r="http://schemas.openxmlformats.org/officeDocument/2006/relationships" xmlns:p="http://schemas.openxmlformats.org/presentationml/2006/main">
+<p:sld xmlns:a14="http://schemas.microsoft.com/office/drawing/2010/main" xmlns:p14="http://schemas.microsoft.com/office/powerpoint/2010/main" xmlns:dgm="http://schemas.openxmlformats.org/drawingml/2006/diagram" xmlns:a="http://schemas.openxmlformats.org/drawingml/2006/main" xmlns:r="http://schemas.openxmlformats.org/officeDocument/2006/relationships" xmlns:p="http://schemas.openxmlformats.org/presentationml/2006/main">
   <p:cSld>
     <p:spTree>
       <p:nvGrpSpPr>
@@ -8831,7 +8831,7 @@
 </file>
 
 <file path=ppt/theme/theme1.xml><?xml version="1.0" encoding="utf-8"?>
-<a:theme xmlns:a="http://schemas.openxmlformats.org/drawingml/2006/main" name="Organic">
+<a:theme xmlns:r="http://schemas.openxmlformats.org/officeDocument/2006/relationships" xmlns:thm15="http://schemas.microsoft.com/office/thememl/2012/main" xmlns:a="http://schemas.openxmlformats.org/drawingml/2006/main" name="Organic">
   <a:themeElements>
     <a:clrScheme name="Organic">
       <a:dk1>
